--- a/week3_4/fivethirtyeight/airline-safety/2.3 Airline Saftey.pptx
+++ b/week3_4/fivethirtyeight/airline-safety/2.3 Airline Saftey.pptx
@@ -3327,7 +3327,7 @@
           <p:cNvPr id="0" name="slide1">
             <a:extLst>
               <a:ext uri="{FF2B5EF4-FFF2-40B4-BE49-F238E27FC236}">
-                <a16:creationId xmlns:a16="http://schemas.microsoft.com/office/drawing/2014/main" id="{1B945AD5-AC32-4697-8A86-667DFDA8B52E}"/>
+                <a16:creationId xmlns:a16="http://schemas.microsoft.com/office/drawing/2014/main" id="{A59DF3AA-E556-4C1B-B031-7578954F85BC}"/>
               </a:ext>
             </a:extLst>
           </p:cNvPr>
@@ -3355,7 +3355,7 @@
           <p:cNvPr id="1" name="slide1">
             <a:extLst>
               <a:ext uri="{FF2B5EF4-FFF2-40B4-BE49-F238E27FC236}">
-                <a16:creationId xmlns:a16="http://schemas.microsoft.com/office/drawing/2014/main" id="{60BAEB80-15C8-4201-B34C-DB2B294DEE0D}"/>
+                <a16:creationId xmlns:a16="http://schemas.microsoft.com/office/drawing/2014/main" id="{74801C2B-7CAE-4BFC-9AA0-7036F2E9E067}"/>
               </a:ext>
             </a:extLst>
           </p:cNvPr>
@@ -3373,7 +3373,7 @@
           <a:p>
             <a:r>
               <a:rPr/>
-              <a:t>File created on: 4/11/21 5:29:46 PM GMT-07:00</a:t>
+              <a:t>File created on: 4/11/21 8:35:29 PM GMT-07:00</a:t>
             </a:r>
           </a:p>
         </p:txBody>
@@ -3413,7 +3413,7 @@
           <p:cNvPr descr="Dashboard 1" id="2" name="slide2">
             <a:extLst>
               <a:ext uri="{FF2B5EF4-FFF2-40B4-BE49-F238E27FC236}">
-                <a16:creationId xmlns:a16="http://schemas.microsoft.com/office/drawing/2014/main" id="{51091BFB-9C1C-4017-9B0B-FB18FDEAB4D8}"/>
+                <a16:creationId xmlns:a16="http://schemas.microsoft.com/office/drawing/2014/main" id="{02399418-C296-4017-870A-D809A6548C21}"/>
               </a:ext>
             </a:extLst>
           </p:cNvPr>
